--- a/Boom Bikes.pptx
+++ b/Boom Bikes.pptx
@@ -14,6 +14,10 @@
     <p:sldId id="262" r:id="rId8"/>
     <p:sldId id="263" r:id="rId9"/>
     <p:sldId id="264" r:id="rId10"/>
+    <p:sldId id="265" r:id="rId11"/>
+    <p:sldId id="266" r:id="rId12"/>
+    <p:sldId id="267" r:id="rId13"/>
+    <p:sldId id="268" r:id="rId14"/>
   </p:sldIdLst>
   <p:sldSz cx="12192000" cy="6858000"/>
   <p:notesSz cx="6858000" cy="9144000"/>
@@ -112,6 +116,11 @@
       </a:defRPr>
     </a:lvl9pPr>
   </p:defaultTextStyle>
+  <p:extLst>
+    <p:ext uri="{EFAFB233-063F-42B5-8137-9DF3F51BA10A}">
+      <p15:sldGuideLst xmlns:p15="http://schemas.microsoft.com/office/powerpoint/2012/main"/>
+    </p:ext>
+  </p:extLst>
 </p:presentation>
 </file>
 
@@ -264,7 +273,7 @@
           <a:p>
             <a:fld id="{44EB7DD9-EE7B-441B-8102-D09065B8C417}" type="datetimeFigureOut">
               <a:rPr lang="en-IN" smtClean="0"/>
-              <a:t>13-06-2023</a:t>
+              <a:t>14-06-2023</a:t>
             </a:fld>
             <a:endParaRPr lang="en-IN"/>
           </a:p>
@@ -464,7 +473,7 @@
           <a:p>
             <a:fld id="{44EB7DD9-EE7B-441B-8102-D09065B8C417}" type="datetimeFigureOut">
               <a:rPr lang="en-IN" smtClean="0"/>
-              <a:t>13-06-2023</a:t>
+              <a:t>14-06-2023</a:t>
             </a:fld>
             <a:endParaRPr lang="en-IN"/>
           </a:p>
@@ -674,7 +683,7 @@
           <a:p>
             <a:fld id="{44EB7DD9-EE7B-441B-8102-D09065B8C417}" type="datetimeFigureOut">
               <a:rPr lang="en-IN" smtClean="0"/>
-              <a:t>13-06-2023</a:t>
+              <a:t>14-06-2023</a:t>
             </a:fld>
             <a:endParaRPr lang="en-IN"/>
           </a:p>
@@ -874,7 +883,7 @@
           <a:p>
             <a:fld id="{44EB7DD9-EE7B-441B-8102-D09065B8C417}" type="datetimeFigureOut">
               <a:rPr lang="en-IN" smtClean="0"/>
-              <a:t>13-06-2023</a:t>
+              <a:t>14-06-2023</a:t>
             </a:fld>
             <a:endParaRPr lang="en-IN"/>
           </a:p>
@@ -1150,7 +1159,7 @@
           <a:p>
             <a:fld id="{44EB7DD9-EE7B-441B-8102-D09065B8C417}" type="datetimeFigureOut">
               <a:rPr lang="en-IN" smtClean="0"/>
-              <a:t>13-06-2023</a:t>
+              <a:t>14-06-2023</a:t>
             </a:fld>
             <a:endParaRPr lang="en-IN"/>
           </a:p>
@@ -1418,7 +1427,7 @@
           <a:p>
             <a:fld id="{44EB7DD9-EE7B-441B-8102-D09065B8C417}" type="datetimeFigureOut">
               <a:rPr lang="en-IN" smtClean="0"/>
-              <a:t>13-06-2023</a:t>
+              <a:t>14-06-2023</a:t>
             </a:fld>
             <a:endParaRPr lang="en-IN"/>
           </a:p>
@@ -1833,7 +1842,7 @@
           <a:p>
             <a:fld id="{44EB7DD9-EE7B-441B-8102-D09065B8C417}" type="datetimeFigureOut">
               <a:rPr lang="en-IN" smtClean="0"/>
-              <a:t>13-06-2023</a:t>
+              <a:t>14-06-2023</a:t>
             </a:fld>
             <a:endParaRPr lang="en-IN"/>
           </a:p>
@@ -1975,7 +1984,7 @@
           <a:p>
             <a:fld id="{44EB7DD9-EE7B-441B-8102-D09065B8C417}" type="datetimeFigureOut">
               <a:rPr lang="en-IN" smtClean="0"/>
-              <a:t>13-06-2023</a:t>
+              <a:t>14-06-2023</a:t>
             </a:fld>
             <a:endParaRPr lang="en-IN"/>
           </a:p>
@@ -2088,7 +2097,7 @@
           <a:p>
             <a:fld id="{44EB7DD9-EE7B-441B-8102-D09065B8C417}" type="datetimeFigureOut">
               <a:rPr lang="en-IN" smtClean="0"/>
-              <a:t>13-06-2023</a:t>
+              <a:t>14-06-2023</a:t>
             </a:fld>
             <a:endParaRPr lang="en-IN"/>
           </a:p>
@@ -2401,7 +2410,7 @@
           <a:p>
             <a:fld id="{44EB7DD9-EE7B-441B-8102-D09065B8C417}" type="datetimeFigureOut">
               <a:rPr lang="en-IN" smtClean="0"/>
-              <a:t>13-06-2023</a:t>
+              <a:t>14-06-2023</a:t>
             </a:fld>
             <a:endParaRPr lang="en-IN"/>
           </a:p>
@@ -2690,7 +2699,7 @@
           <a:p>
             <a:fld id="{44EB7DD9-EE7B-441B-8102-D09065B8C417}" type="datetimeFigureOut">
               <a:rPr lang="en-IN" smtClean="0"/>
-              <a:t>13-06-2023</a:t>
+              <a:t>14-06-2023</a:t>
             </a:fld>
             <a:endParaRPr lang="en-IN"/>
           </a:p>
@@ -2933,7 +2942,7 @@
           <a:p>
             <a:fld id="{44EB7DD9-EE7B-441B-8102-D09065B8C417}" type="datetimeFigureOut">
               <a:rPr lang="en-IN" smtClean="0"/>
-              <a:t>13-06-2023</a:t>
+              <a:t>14-06-2023</a:t>
             </a:fld>
             <a:endParaRPr lang="en-IN"/>
           </a:p>
@@ -3565,6 +3574,489 @@
 </p:sld>
 </file>
 
+<file path=ppt/slides/slide10.xml><?xml version="1.0" encoding="utf-8"?>
+<p:sld xmlns:a="http://schemas.openxmlformats.org/drawingml/2006/main" xmlns:r="http://schemas.openxmlformats.org/officeDocument/2006/relationships" xmlns:p="http://schemas.openxmlformats.org/presentationml/2006/main">
+  <p:cSld>
+    <p:spTree>
+      <p:nvGrpSpPr>
+        <p:cNvPr id="1" name=""/>
+        <p:cNvGrpSpPr/>
+        <p:nvPr/>
+      </p:nvGrpSpPr>
+      <p:grpSpPr>
+        <a:xfrm>
+          <a:off x="0" y="0"/>
+          <a:ext cx="0" cy="0"/>
+          <a:chOff x="0" y="0"/>
+          <a:chExt cx="0" cy="0"/>
+        </a:xfrm>
+      </p:grpSpPr>
+      <p:sp>
+        <p:nvSpPr>
+          <p:cNvPr id="4" name="Title 1">
+            <a:extLst>
+              <a:ext uri="{FF2B5EF4-FFF2-40B4-BE49-F238E27FC236}">
+                <a16:creationId xmlns:a16="http://schemas.microsoft.com/office/drawing/2014/main" id="{05FA84AA-FB1A-971F-C65A-ADD4FEEA7737}"/>
+              </a:ext>
+            </a:extLst>
+          </p:cNvPr>
+          <p:cNvSpPr txBox="1">
+            <a:spLocks/>
+          </p:cNvSpPr>
+          <p:nvPr/>
+        </p:nvSpPr>
+        <p:spPr>
+          <a:xfrm>
+            <a:off x="408992" y="169183"/>
+            <a:ext cx="9192208" cy="558606"/>
+          </a:xfrm>
+          <a:prstGeom prst="rect">
+            <a:avLst/>
+          </a:prstGeom>
+        </p:spPr>
+        <p:txBody>
+          <a:bodyPr vert="horz" lIns="91440" tIns="45720" rIns="91440" bIns="45720" rtlCol="0" anchor="ctr">
+            <a:normAutofit/>
+          </a:bodyPr>
+          <a:lstStyle>
+            <a:lvl1pPr algn="l" defTabSz="914400" rtl="0" eaLnBrk="1" latinLnBrk="0" hangingPunct="1">
+              <a:lnSpc>
+                <a:spcPct val="90000"/>
+              </a:lnSpc>
+              <a:spcBef>
+                <a:spcPct val="0"/>
+              </a:spcBef>
+              <a:buNone/>
+              <a:defRPr sz="4400" kern="1200">
+                <a:solidFill>
+                  <a:schemeClr val="tx1"/>
+                </a:solidFill>
+                <a:latin typeface="+mj-lt"/>
+                <a:ea typeface="+mj-ea"/>
+                <a:cs typeface="+mj-cs"/>
+              </a:defRPr>
+            </a:lvl1pPr>
+          </a:lstStyle>
+          <a:p>
+            <a:r>
+              <a:rPr lang="en-IN" sz="2400" b="1" dirty="0"/>
+              <a:t>General Subjective Questions</a:t>
+            </a:r>
+          </a:p>
+        </p:txBody>
+      </p:sp>
+      <p:sp>
+        <p:nvSpPr>
+          <p:cNvPr id="5" name="TextBox 4">
+            <a:extLst>
+              <a:ext uri="{FF2B5EF4-FFF2-40B4-BE49-F238E27FC236}">
+                <a16:creationId xmlns:a16="http://schemas.microsoft.com/office/drawing/2014/main" id="{446725B5-17A6-F0BE-9ADD-9C1DD81F6053}"/>
+              </a:ext>
+            </a:extLst>
+          </p:cNvPr>
+          <p:cNvSpPr txBox="1"/>
+          <p:nvPr/>
+        </p:nvSpPr>
+        <p:spPr>
+          <a:xfrm>
+            <a:off x="408992" y="903810"/>
+            <a:ext cx="10834396" cy="369332"/>
+          </a:xfrm>
+          <a:prstGeom prst="rect">
+            <a:avLst/>
+          </a:prstGeom>
+          <a:noFill/>
+        </p:spPr>
+        <p:txBody>
+          <a:bodyPr wrap="square">
+            <a:spAutoFit/>
+          </a:bodyPr>
+          <a:lstStyle/>
+          <a:p>
+            <a:r>
+              <a:rPr lang="en-US" dirty="0"/>
+              <a:t>3. </a:t>
+            </a:r>
+            <a:r>
+              <a:rPr lang="en-IN" dirty="0"/>
+              <a:t>What is Pearson’s R?</a:t>
+            </a:r>
+          </a:p>
+        </p:txBody>
+      </p:sp>
+    </p:spTree>
+    <p:extLst>
+      <p:ext uri="{BB962C8B-B14F-4D97-AF65-F5344CB8AC3E}">
+        <p14:creationId xmlns:p14="http://schemas.microsoft.com/office/powerpoint/2010/main" val="1210271256"/>
+      </p:ext>
+    </p:extLst>
+  </p:cSld>
+  <p:clrMapOvr>
+    <a:masterClrMapping/>
+  </p:clrMapOvr>
+</p:sld>
+</file>
+
+<file path=ppt/slides/slide11.xml><?xml version="1.0" encoding="utf-8"?>
+<p:sld xmlns:a="http://schemas.openxmlformats.org/drawingml/2006/main" xmlns:r="http://schemas.openxmlformats.org/officeDocument/2006/relationships" xmlns:p="http://schemas.openxmlformats.org/presentationml/2006/main">
+  <p:cSld>
+    <p:spTree>
+      <p:nvGrpSpPr>
+        <p:cNvPr id="1" name=""/>
+        <p:cNvGrpSpPr/>
+        <p:nvPr/>
+      </p:nvGrpSpPr>
+      <p:grpSpPr>
+        <a:xfrm>
+          <a:off x="0" y="0"/>
+          <a:ext cx="0" cy="0"/>
+          <a:chOff x="0" y="0"/>
+          <a:chExt cx="0" cy="0"/>
+        </a:xfrm>
+      </p:grpSpPr>
+      <p:sp>
+        <p:nvSpPr>
+          <p:cNvPr id="4" name="Title 1">
+            <a:extLst>
+              <a:ext uri="{FF2B5EF4-FFF2-40B4-BE49-F238E27FC236}">
+                <a16:creationId xmlns:a16="http://schemas.microsoft.com/office/drawing/2014/main" id="{05FA84AA-FB1A-971F-C65A-ADD4FEEA7737}"/>
+              </a:ext>
+            </a:extLst>
+          </p:cNvPr>
+          <p:cNvSpPr txBox="1">
+            <a:spLocks/>
+          </p:cNvSpPr>
+          <p:nvPr/>
+        </p:nvSpPr>
+        <p:spPr>
+          <a:xfrm>
+            <a:off x="408992" y="169183"/>
+            <a:ext cx="9192208" cy="558606"/>
+          </a:xfrm>
+          <a:prstGeom prst="rect">
+            <a:avLst/>
+          </a:prstGeom>
+        </p:spPr>
+        <p:txBody>
+          <a:bodyPr vert="horz" lIns="91440" tIns="45720" rIns="91440" bIns="45720" rtlCol="0" anchor="ctr">
+            <a:normAutofit/>
+          </a:bodyPr>
+          <a:lstStyle>
+            <a:lvl1pPr algn="l" defTabSz="914400" rtl="0" eaLnBrk="1" latinLnBrk="0" hangingPunct="1">
+              <a:lnSpc>
+                <a:spcPct val="90000"/>
+              </a:lnSpc>
+              <a:spcBef>
+                <a:spcPct val="0"/>
+              </a:spcBef>
+              <a:buNone/>
+              <a:defRPr sz="4400" kern="1200">
+                <a:solidFill>
+                  <a:schemeClr val="tx1"/>
+                </a:solidFill>
+                <a:latin typeface="+mj-lt"/>
+                <a:ea typeface="+mj-ea"/>
+                <a:cs typeface="+mj-cs"/>
+              </a:defRPr>
+            </a:lvl1pPr>
+          </a:lstStyle>
+          <a:p>
+            <a:r>
+              <a:rPr lang="en-IN" sz="2400" b="1" dirty="0"/>
+              <a:t>General Subjective Questions</a:t>
+            </a:r>
+          </a:p>
+        </p:txBody>
+      </p:sp>
+      <p:sp>
+        <p:nvSpPr>
+          <p:cNvPr id="5" name="TextBox 4">
+            <a:extLst>
+              <a:ext uri="{FF2B5EF4-FFF2-40B4-BE49-F238E27FC236}">
+                <a16:creationId xmlns:a16="http://schemas.microsoft.com/office/drawing/2014/main" id="{446725B5-17A6-F0BE-9ADD-9C1DD81F6053}"/>
+              </a:ext>
+            </a:extLst>
+          </p:cNvPr>
+          <p:cNvSpPr txBox="1"/>
+          <p:nvPr/>
+        </p:nvSpPr>
+        <p:spPr>
+          <a:xfrm>
+            <a:off x="408992" y="903810"/>
+            <a:ext cx="10834396" cy="646331"/>
+          </a:xfrm>
+          <a:prstGeom prst="rect">
+            <a:avLst/>
+          </a:prstGeom>
+          <a:noFill/>
+        </p:spPr>
+        <p:txBody>
+          <a:bodyPr wrap="square">
+            <a:spAutoFit/>
+          </a:bodyPr>
+          <a:lstStyle/>
+          <a:p>
+            <a:r>
+              <a:rPr lang="en-US" dirty="0"/>
+              <a:t>4. What is scaling? Why is scaling performed? What is the difference between normalized scaling and standardized scaling? </a:t>
+            </a:r>
+            <a:endParaRPr lang="en-IN" dirty="0"/>
+          </a:p>
+        </p:txBody>
+      </p:sp>
+    </p:spTree>
+    <p:extLst>
+      <p:ext uri="{BB962C8B-B14F-4D97-AF65-F5344CB8AC3E}">
+        <p14:creationId xmlns:p14="http://schemas.microsoft.com/office/powerpoint/2010/main" val="848066369"/>
+      </p:ext>
+    </p:extLst>
+  </p:cSld>
+  <p:clrMapOvr>
+    <a:masterClrMapping/>
+  </p:clrMapOvr>
+</p:sld>
+</file>
+
+<file path=ppt/slides/slide12.xml><?xml version="1.0" encoding="utf-8"?>
+<p:sld xmlns:a="http://schemas.openxmlformats.org/drawingml/2006/main" xmlns:r="http://schemas.openxmlformats.org/officeDocument/2006/relationships" xmlns:p="http://schemas.openxmlformats.org/presentationml/2006/main">
+  <p:cSld>
+    <p:spTree>
+      <p:nvGrpSpPr>
+        <p:cNvPr id="1" name=""/>
+        <p:cNvGrpSpPr/>
+        <p:nvPr/>
+      </p:nvGrpSpPr>
+      <p:grpSpPr>
+        <a:xfrm>
+          <a:off x="0" y="0"/>
+          <a:ext cx="0" cy="0"/>
+          <a:chOff x="0" y="0"/>
+          <a:chExt cx="0" cy="0"/>
+        </a:xfrm>
+      </p:grpSpPr>
+      <p:sp>
+        <p:nvSpPr>
+          <p:cNvPr id="4" name="Title 1">
+            <a:extLst>
+              <a:ext uri="{FF2B5EF4-FFF2-40B4-BE49-F238E27FC236}">
+                <a16:creationId xmlns:a16="http://schemas.microsoft.com/office/drawing/2014/main" id="{05FA84AA-FB1A-971F-C65A-ADD4FEEA7737}"/>
+              </a:ext>
+            </a:extLst>
+          </p:cNvPr>
+          <p:cNvSpPr txBox="1">
+            <a:spLocks/>
+          </p:cNvSpPr>
+          <p:nvPr/>
+        </p:nvSpPr>
+        <p:spPr>
+          <a:xfrm>
+            <a:off x="408992" y="169183"/>
+            <a:ext cx="9192208" cy="558606"/>
+          </a:xfrm>
+          <a:prstGeom prst="rect">
+            <a:avLst/>
+          </a:prstGeom>
+        </p:spPr>
+        <p:txBody>
+          <a:bodyPr vert="horz" lIns="91440" tIns="45720" rIns="91440" bIns="45720" rtlCol="0" anchor="ctr">
+            <a:normAutofit/>
+          </a:bodyPr>
+          <a:lstStyle>
+            <a:lvl1pPr algn="l" defTabSz="914400" rtl="0" eaLnBrk="1" latinLnBrk="0" hangingPunct="1">
+              <a:lnSpc>
+                <a:spcPct val="90000"/>
+              </a:lnSpc>
+              <a:spcBef>
+                <a:spcPct val="0"/>
+              </a:spcBef>
+              <a:buNone/>
+              <a:defRPr sz="4400" kern="1200">
+                <a:solidFill>
+                  <a:schemeClr val="tx1"/>
+                </a:solidFill>
+                <a:latin typeface="+mj-lt"/>
+                <a:ea typeface="+mj-ea"/>
+                <a:cs typeface="+mj-cs"/>
+              </a:defRPr>
+            </a:lvl1pPr>
+          </a:lstStyle>
+          <a:p>
+            <a:r>
+              <a:rPr lang="en-IN" sz="2400" b="1" dirty="0"/>
+              <a:t>General Subjective Questions</a:t>
+            </a:r>
+          </a:p>
+        </p:txBody>
+      </p:sp>
+      <p:sp>
+        <p:nvSpPr>
+          <p:cNvPr id="5" name="TextBox 4">
+            <a:extLst>
+              <a:ext uri="{FF2B5EF4-FFF2-40B4-BE49-F238E27FC236}">
+                <a16:creationId xmlns:a16="http://schemas.microsoft.com/office/drawing/2014/main" id="{446725B5-17A6-F0BE-9ADD-9C1DD81F6053}"/>
+              </a:ext>
+            </a:extLst>
+          </p:cNvPr>
+          <p:cNvSpPr txBox="1"/>
+          <p:nvPr/>
+        </p:nvSpPr>
+        <p:spPr>
+          <a:xfrm>
+            <a:off x="408992" y="903810"/>
+            <a:ext cx="10834396" cy="369332"/>
+          </a:xfrm>
+          <a:prstGeom prst="rect">
+            <a:avLst/>
+          </a:prstGeom>
+          <a:noFill/>
+        </p:spPr>
+        <p:txBody>
+          <a:bodyPr wrap="square">
+            <a:spAutoFit/>
+          </a:bodyPr>
+          <a:lstStyle/>
+          <a:p>
+            <a:r>
+              <a:rPr lang="en-US" dirty="0"/>
+              <a:t>5. You might have observed that sometimes the value of VIF is infinite. Why does this happen?</a:t>
+            </a:r>
+            <a:endParaRPr lang="en-IN" dirty="0"/>
+          </a:p>
+        </p:txBody>
+      </p:sp>
+    </p:spTree>
+    <p:extLst>
+      <p:ext uri="{BB962C8B-B14F-4D97-AF65-F5344CB8AC3E}">
+        <p14:creationId xmlns:p14="http://schemas.microsoft.com/office/powerpoint/2010/main" val="1043432288"/>
+      </p:ext>
+    </p:extLst>
+  </p:cSld>
+  <p:clrMapOvr>
+    <a:masterClrMapping/>
+  </p:clrMapOvr>
+</p:sld>
+</file>
+
+<file path=ppt/slides/slide13.xml><?xml version="1.0" encoding="utf-8"?>
+<p:sld xmlns:a="http://schemas.openxmlformats.org/drawingml/2006/main" xmlns:r="http://schemas.openxmlformats.org/officeDocument/2006/relationships" xmlns:p="http://schemas.openxmlformats.org/presentationml/2006/main">
+  <p:cSld>
+    <p:spTree>
+      <p:nvGrpSpPr>
+        <p:cNvPr id="1" name=""/>
+        <p:cNvGrpSpPr/>
+        <p:nvPr/>
+      </p:nvGrpSpPr>
+      <p:grpSpPr>
+        <a:xfrm>
+          <a:off x="0" y="0"/>
+          <a:ext cx="0" cy="0"/>
+          <a:chOff x="0" y="0"/>
+          <a:chExt cx="0" cy="0"/>
+        </a:xfrm>
+      </p:grpSpPr>
+      <p:sp>
+        <p:nvSpPr>
+          <p:cNvPr id="4" name="Title 1">
+            <a:extLst>
+              <a:ext uri="{FF2B5EF4-FFF2-40B4-BE49-F238E27FC236}">
+                <a16:creationId xmlns:a16="http://schemas.microsoft.com/office/drawing/2014/main" id="{05FA84AA-FB1A-971F-C65A-ADD4FEEA7737}"/>
+              </a:ext>
+            </a:extLst>
+          </p:cNvPr>
+          <p:cNvSpPr txBox="1">
+            <a:spLocks/>
+          </p:cNvSpPr>
+          <p:nvPr/>
+        </p:nvSpPr>
+        <p:spPr>
+          <a:xfrm>
+            <a:off x="408992" y="169183"/>
+            <a:ext cx="9192208" cy="558606"/>
+          </a:xfrm>
+          <a:prstGeom prst="rect">
+            <a:avLst/>
+          </a:prstGeom>
+        </p:spPr>
+        <p:txBody>
+          <a:bodyPr vert="horz" lIns="91440" tIns="45720" rIns="91440" bIns="45720" rtlCol="0" anchor="ctr">
+            <a:normAutofit/>
+          </a:bodyPr>
+          <a:lstStyle>
+            <a:lvl1pPr algn="l" defTabSz="914400" rtl="0" eaLnBrk="1" latinLnBrk="0" hangingPunct="1">
+              <a:lnSpc>
+                <a:spcPct val="90000"/>
+              </a:lnSpc>
+              <a:spcBef>
+                <a:spcPct val="0"/>
+              </a:spcBef>
+              <a:buNone/>
+              <a:defRPr sz="4400" kern="1200">
+                <a:solidFill>
+                  <a:schemeClr val="tx1"/>
+                </a:solidFill>
+                <a:latin typeface="+mj-lt"/>
+                <a:ea typeface="+mj-ea"/>
+                <a:cs typeface="+mj-cs"/>
+              </a:defRPr>
+            </a:lvl1pPr>
+          </a:lstStyle>
+          <a:p>
+            <a:r>
+              <a:rPr lang="en-IN" sz="2400" b="1" dirty="0"/>
+              <a:t>General Subjective Questions</a:t>
+            </a:r>
+          </a:p>
+        </p:txBody>
+      </p:sp>
+      <p:sp>
+        <p:nvSpPr>
+          <p:cNvPr id="5" name="TextBox 4">
+            <a:extLst>
+              <a:ext uri="{FF2B5EF4-FFF2-40B4-BE49-F238E27FC236}">
+                <a16:creationId xmlns:a16="http://schemas.microsoft.com/office/drawing/2014/main" id="{446725B5-17A6-F0BE-9ADD-9C1DD81F6053}"/>
+              </a:ext>
+            </a:extLst>
+          </p:cNvPr>
+          <p:cNvSpPr txBox="1"/>
+          <p:nvPr/>
+        </p:nvSpPr>
+        <p:spPr>
+          <a:xfrm>
+            <a:off x="408992" y="903810"/>
+            <a:ext cx="10834396" cy="369332"/>
+          </a:xfrm>
+          <a:prstGeom prst="rect">
+            <a:avLst/>
+          </a:prstGeom>
+          <a:noFill/>
+        </p:spPr>
+        <p:txBody>
+          <a:bodyPr wrap="square">
+            <a:spAutoFit/>
+          </a:bodyPr>
+          <a:lstStyle/>
+          <a:p>
+            <a:r>
+              <a:rPr lang="en-US" dirty="0"/>
+              <a:t>6. What is a Q-Q plot? Explain the use and importance of a Q-Q plot in linear regression.</a:t>
+            </a:r>
+            <a:endParaRPr lang="en-IN" dirty="0"/>
+          </a:p>
+        </p:txBody>
+      </p:sp>
+    </p:spTree>
+    <p:extLst>
+      <p:ext uri="{BB962C8B-B14F-4D97-AF65-F5344CB8AC3E}">
+        <p14:creationId xmlns:p14="http://schemas.microsoft.com/office/powerpoint/2010/main" val="1733907395"/>
+      </p:ext>
+    </p:extLst>
+  </p:cSld>
+  <p:clrMapOvr>
+    <a:masterClrMapping/>
+  </p:clrMapOvr>
+</p:sld>
+</file>
+
 <file path=ppt/slides/slide2.xml><?xml version="1.0" encoding="utf-8"?>
 <p:sld xmlns:a="http://schemas.openxmlformats.org/drawingml/2006/main" xmlns:r="http://schemas.openxmlformats.org/officeDocument/2006/relationships" xmlns:p="http://schemas.openxmlformats.org/presentationml/2006/main">
   <p:cSld>
@@ -5896,7 +6388,7 @@
         </p:nvSpPr>
         <p:spPr>
           <a:xfrm>
-            <a:off x="408992" y="903810"/>
+            <a:off x="343678" y="727789"/>
             <a:ext cx="10834396" cy="369332"/>
           </a:xfrm>
           <a:prstGeom prst="rect">
@@ -5932,8 +6424,8 @@
         </p:nvSpPr>
         <p:spPr>
           <a:xfrm>
-            <a:off x="421433" y="1449163"/>
-            <a:ext cx="10834396" cy="4801314"/>
+            <a:off x="113522" y="1262551"/>
+            <a:ext cx="5895392" cy="5693866"/>
           </a:xfrm>
           <a:prstGeom prst="rect">
             <a:avLst/>
@@ -5946,84 +6438,166 @@
           </a:bodyPr>
           <a:lstStyle/>
           <a:p>
-            <a:r>
-              <a:rPr lang="en-IN" dirty="0"/>
-              <a:t>Linear Regression Algorithm is a supervised algorithm which is used to predict a continuous target variable based on single or multiple independent variable. If it is a single independent variable , it is known as simple linear regression and if it is more than 1 , it is referred as multiple linear regression. </a:t>
-            </a:r>
-          </a:p>
-          <a:p>
-            <a:endParaRPr lang="en-IN" dirty="0"/>
-          </a:p>
-          <a:p>
-            <a:r>
-              <a:rPr lang="en-IN" dirty="0"/>
+            <a:pPr algn="just"/>
+            <a:r>
+              <a:rPr lang="en-US" sz="1400" dirty="0"/>
+              <a:t>Linear regression is a supervised machine learning algorithm used to predict a continuous numerical outcome based on one or more input features. It assumes that there is a straight-line relationship between the input variables and the target variable. The main objective of linear regression is to find the best line that fits the data points and minimizes the difference between the predicted and actual values of the target variable.</a:t>
+            </a:r>
+          </a:p>
+          <a:p>
+            <a:pPr algn="just"/>
+            <a:endParaRPr lang="en-IN" sz="1400" dirty="0"/>
+          </a:p>
+          <a:p>
+            <a:pPr algn="just"/>
+            <a:r>
+              <a:rPr lang="en-IN" sz="1400" dirty="0"/>
               <a:t>Linear Regression is only possible when there is a linear relation found between different variables (also referred as features) , if there is no linear relation is visible on a plotted scatter chart of different variables , the model will not work as expected and the accuracy of model will get down drastically. </a:t>
             </a:r>
             <a:r>
-              <a:rPr lang="en-US" dirty="0"/>
+              <a:rPr lang="en-US" sz="1400" dirty="0"/>
               <a:t>Linear regression assumes linearity, independence of errors, constant variance (homoscedasticity), normality of errors, and absence of multicollinearity between independent variables. These assumptions should be verified and validated.</a:t>
             </a:r>
-            <a:endParaRPr lang="en-IN" dirty="0"/>
-          </a:p>
-          <a:p>
-            <a:endParaRPr lang="en-IN" dirty="0"/>
-          </a:p>
-          <a:p>
-            <a:r>
-              <a:rPr lang="en-IN" dirty="0"/>
+            <a:endParaRPr lang="en-IN" sz="1400" dirty="0"/>
+          </a:p>
+          <a:p>
+            <a:pPr algn="just"/>
+            <a:endParaRPr lang="en-IN" sz="1400" dirty="0"/>
+          </a:p>
+          <a:p>
+            <a:pPr algn="just"/>
+            <a:r>
+              <a:rPr lang="en-IN" sz="1400" dirty="0"/>
               <a:t>Linear regression equation is referred as Y  = </a:t>
             </a:r>
             <a:r>
-              <a:rPr lang="el-GR" dirty="0"/>
+              <a:rPr lang="el-GR" sz="1400" dirty="0"/>
               <a:t>β</a:t>
             </a:r>
             <a:r>
-              <a:rPr lang="en-IN" dirty="0"/>
+              <a:rPr lang="en-IN" sz="1400" dirty="0"/>
               <a:t>0 + </a:t>
             </a:r>
             <a:r>
-              <a:rPr lang="el-GR" dirty="0"/>
+              <a:rPr lang="el-GR" sz="1400" dirty="0"/>
               <a:t>β</a:t>
             </a:r>
             <a:r>
-              <a:rPr lang="en-IN" dirty="0"/>
+              <a:rPr lang="en-IN" sz="1400" dirty="0"/>
               <a:t>1X1 + </a:t>
             </a:r>
             <a:r>
-              <a:rPr lang="el-GR" dirty="0"/>
+              <a:rPr lang="el-GR" sz="1400" dirty="0"/>
               <a:t>β</a:t>
             </a:r>
             <a:r>
-              <a:rPr lang="en-IN" dirty="0"/>
+              <a:rPr lang="en-IN" sz="1400" dirty="0"/>
               <a:t>2 x X2 + </a:t>
             </a:r>
             <a:r>
-              <a:rPr lang="el-GR" dirty="0"/>
+              <a:rPr lang="el-GR" sz="1400" dirty="0"/>
               <a:t>β</a:t>
             </a:r>
             <a:r>
-              <a:rPr lang="en-IN" dirty="0"/>
+              <a:rPr lang="en-IN" sz="1400" dirty="0"/>
               <a:t>3 x X3 ... </a:t>
             </a:r>
             <a:r>
-              <a:rPr lang="el-GR" dirty="0"/>
+              <a:rPr lang="el-GR" sz="1400" dirty="0"/>
               <a:t>β</a:t>
             </a:r>
             <a:r>
-              <a:rPr lang="en-IN" dirty="0"/>
+              <a:rPr lang="en-IN" sz="1400" dirty="0"/>
               <a:t>n x </a:t>
             </a:r>
             <a:r>
-              <a:rPr lang="el-GR" dirty="0"/>
+              <a:rPr lang="el-GR" sz="1400" dirty="0"/>
               <a:t>β</a:t>
             </a:r>
             <a:r>
-              <a:rPr lang="en-IN" dirty="0"/>
+              <a:rPr lang="en-IN" sz="1400" dirty="0"/>
               <a:t>n where n is the number of independent variable.  This equation is basically the best fit line equation that has the least distance between actual and predicted values of the target variable. While establishing , this equation and during the process of Feature selection , it is very important to make sure that the selected features for the model creation should not have multicollinearity issue between them because if they have multicollinearity , the weightage of similar feature will be taken into account making our model accuracy not as expected. </a:t>
             </a:r>
           </a:p>
-          <a:p>
-            <a:endParaRPr lang="en-IN" dirty="0"/>
+        </p:txBody>
+      </p:sp>
+      <p:sp>
+        <p:nvSpPr>
+          <p:cNvPr id="2" name="TextBox 1">
+            <a:extLst>
+              <a:ext uri="{FF2B5EF4-FFF2-40B4-BE49-F238E27FC236}">
+                <a16:creationId xmlns:a16="http://schemas.microsoft.com/office/drawing/2014/main" id="{C2DFE284-C5E2-BFA8-37A5-2E81F631F5D5}"/>
+              </a:ext>
+            </a:extLst>
+          </p:cNvPr>
+          <p:cNvSpPr txBox="1"/>
+          <p:nvPr/>
+        </p:nvSpPr>
+        <p:spPr>
+          <a:xfrm>
+            <a:off x="6096000" y="1164134"/>
+            <a:ext cx="5895392" cy="4616648"/>
+          </a:xfrm>
+          <a:prstGeom prst="rect">
+            <a:avLst/>
+          </a:prstGeom>
+          <a:noFill/>
+        </p:spPr>
+        <p:txBody>
+          <a:bodyPr wrap="square">
+            <a:spAutoFit/>
+          </a:bodyPr>
+          <a:lstStyle/>
+          <a:p>
+            <a:pPr algn="just"/>
+            <a:r>
+              <a:rPr lang="en-US" sz="1400" dirty="0"/>
+              <a:t>In simple linear regression, we have only one input feature (X), while in multiple linear regression, we can have multiple input features (X1, X2, X3, ...).</a:t>
+            </a:r>
+          </a:p>
+          <a:p>
+            <a:pPr algn="just"/>
+            <a:r>
+              <a:rPr lang="en-US" sz="1400" dirty="0"/>
+              <a:t>The linear regression model assumes that the relationship between the input features and the target variable can be represented by an equation.</a:t>
+            </a:r>
+          </a:p>
+          <a:p>
+            <a:pPr algn="just"/>
+            <a:r>
+              <a:rPr lang="en-US" sz="1400" dirty="0"/>
+              <a:t>For example, in simple linear regression, the equation is y = b0 + b1 * X, where b0 is the starting point (y-intercept), b1 is the slope, and X represents the input feature.</a:t>
+            </a:r>
+          </a:p>
+          <a:p>
+            <a:pPr algn="just"/>
+            <a:r>
+              <a:rPr lang="en-US" sz="1400" dirty="0"/>
+              <a:t>For multiple linear regression, the equation becomes y = b0 + b1 * X1 + b2 * X2 + ... + bn * Xn, where each X represents a different input feature.</a:t>
+            </a:r>
+          </a:p>
+          <a:p>
+            <a:pPr algn="just"/>
+            <a:endParaRPr lang="en-US" sz="1400" dirty="0"/>
+          </a:p>
+          <a:p>
+            <a:pPr algn="just"/>
+            <a:r>
+              <a:rPr lang="en-US" sz="1400" dirty="0"/>
+              <a:t>During model training, we try to find the best values for the coefficients (b0, b1, b2, ..., bn) in the equation. These coefficients determine the shape and position of the line. We use an optimization algorithm, such as Ordinary Least Squares (OLS), to minimize the difference between the predicted and actual values of the target variable.</a:t>
+            </a:r>
+          </a:p>
+          <a:p>
+            <a:pPr algn="just"/>
+            <a:endParaRPr lang="en-US" sz="1400" dirty="0"/>
+          </a:p>
+          <a:p>
+            <a:pPr algn="just"/>
+            <a:r>
+              <a:rPr lang="en-US" sz="1400" dirty="0"/>
+              <a:t>After training the model, we evaluate its performance. We use evaluation metrics like Mean Squared Error (MSE), Root Mean Squared Error (RMSE), Mean Absolute Error (MAE), and R-squared to measure how well the model predicts the target variable. These metrics help us understand the accuracy of the predictions and how well the model fits the data.</a:t>
+            </a:r>
+            <a:endParaRPr lang="en-IN" sz="1400" dirty="0"/>
           </a:p>
         </p:txBody>
       </p:sp>
@@ -6141,9 +6715,263 @@
           <a:p>
             <a:r>
               <a:rPr lang="en-US" dirty="0"/>
-              <a:t>1. Explain the Anscombe’s quartet in detail.</a:t>
+              <a:t>2. Explain the Anscombe’s quartet in detail.</a:t>
             </a:r>
             <a:endParaRPr lang="en-IN" dirty="0"/>
+          </a:p>
+        </p:txBody>
+      </p:sp>
+      <p:pic>
+        <p:nvPicPr>
+          <p:cNvPr id="3" name="Picture 2">
+            <a:extLst>
+              <a:ext uri="{FF2B5EF4-FFF2-40B4-BE49-F238E27FC236}">
+                <a16:creationId xmlns:a16="http://schemas.microsoft.com/office/drawing/2014/main" id="{8C9CEA1A-5042-128B-CC27-99A008F22E03}"/>
+              </a:ext>
+            </a:extLst>
+          </p:cNvPr>
+          <p:cNvPicPr>
+            <a:picLocks noChangeAspect="1"/>
+          </p:cNvPicPr>
+          <p:nvPr/>
+        </p:nvPicPr>
+        <p:blipFill>
+          <a:blip r:embed="rId2"/>
+          <a:stretch>
+            <a:fillRect/>
+          </a:stretch>
+        </p:blipFill>
+        <p:spPr>
+          <a:xfrm>
+            <a:off x="224800" y="1500973"/>
+            <a:ext cx="4475941" cy="3360276"/>
+          </a:xfrm>
+          <a:prstGeom prst="rect">
+            <a:avLst/>
+          </a:prstGeom>
+        </p:spPr>
+      </p:pic>
+      <p:sp>
+        <p:nvSpPr>
+          <p:cNvPr id="7" name="TextBox 6">
+            <a:extLst>
+              <a:ext uri="{FF2B5EF4-FFF2-40B4-BE49-F238E27FC236}">
+                <a16:creationId xmlns:a16="http://schemas.microsoft.com/office/drawing/2014/main" id="{B554F69F-A0FF-1944-913F-7D3C5782D502}"/>
+              </a:ext>
+            </a:extLst>
+          </p:cNvPr>
+          <p:cNvSpPr txBox="1"/>
+          <p:nvPr/>
+        </p:nvSpPr>
+        <p:spPr>
+          <a:xfrm>
+            <a:off x="5145834" y="593032"/>
+            <a:ext cx="6097554" cy="1815882"/>
+          </a:xfrm>
+          <a:prstGeom prst="rect">
+            <a:avLst/>
+          </a:prstGeom>
+          <a:noFill/>
+        </p:spPr>
+        <p:txBody>
+          <a:bodyPr wrap="square">
+            <a:spAutoFit/>
+          </a:bodyPr>
+          <a:lstStyle/>
+          <a:p>
+            <a:r>
+              <a:rPr lang="en-US" sz="1400" dirty="0"/>
+              <a:t>Anscombe’s quartet explain the importance of data visualization.</a:t>
+            </a:r>
+          </a:p>
+          <a:p>
+            <a:r>
+              <a:rPr lang="en-US" sz="1400" dirty="0"/>
+              <a:t> </a:t>
+            </a:r>
+          </a:p>
+          <a:p>
+            <a:r>
+              <a:rPr lang="en-US" sz="1400" dirty="0"/>
+              <a:t>In 1973, a paper was written by a statistician named Anscombe, emphasizing the importance of graphing data rather than depending solely on statistical analysis. Four sets of XY data pairs were created, Each dataset consists of 11 points with two variables: x and y , which are nearly identical in simple descriptive statistics. It was demonstrated that graphical representation plays a crucial role in comprehending and interpreting data effectively, as shown by Anscombe's work.</a:t>
+            </a:r>
+          </a:p>
+        </p:txBody>
+      </p:sp>
+      <p:sp>
+        <p:nvSpPr>
+          <p:cNvPr id="9" name="TextBox 8">
+            <a:extLst>
+              <a:ext uri="{FF2B5EF4-FFF2-40B4-BE49-F238E27FC236}">
+                <a16:creationId xmlns:a16="http://schemas.microsoft.com/office/drawing/2014/main" id="{E84A68E4-2F9E-FE5E-F73E-EB7471802204}"/>
+              </a:ext>
+            </a:extLst>
+          </p:cNvPr>
+          <p:cNvSpPr txBox="1"/>
+          <p:nvPr/>
+        </p:nvSpPr>
+        <p:spPr>
+          <a:xfrm>
+            <a:off x="5145834" y="2482214"/>
+            <a:ext cx="6875881" cy="1384995"/>
+          </a:xfrm>
+          <a:prstGeom prst="rect">
+            <a:avLst/>
+          </a:prstGeom>
+          <a:noFill/>
+        </p:spPr>
+        <p:txBody>
+          <a:bodyPr wrap="square">
+            <a:spAutoFit/>
+          </a:bodyPr>
+          <a:lstStyle/>
+          <a:p>
+            <a:r>
+              <a:rPr lang="en-US" sz="1400" dirty="0"/>
+              <a:t>While choosing linear regression model , one needs to take special attention in identifying outliers and before selection , its extremely important to plot the data and get insights of it as to how data is being drawn and whether it is actually showing linearity or not.  Like, in the above graphs plotted , if we look at it , the data plotted has i</a:t>
+            </a:r>
+            <a:r>
+              <a:rPr lang="en-US" sz="1400" b="0" i="0" dirty="0">
+                <a:solidFill>
+                  <a:srgbClr val="374151"/>
+                </a:solidFill>
+                <a:effectLst/>
+                <a:latin typeface="Söhne"/>
+              </a:rPr>
+              <a:t>dentical summary statistics (such as mean, variance, correlation) but the datasets have different distributions and relationships between the variables.</a:t>
+            </a:r>
+            <a:endParaRPr lang="en-IN" sz="1400" dirty="0"/>
+          </a:p>
+        </p:txBody>
+      </p:sp>
+      <p:sp>
+        <p:nvSpPr>
+          <p:cNvPr id="10" name="TextBox 9">
+            <a:extLst>
+              <a:ext uri="{FF2B5EF4-FFF2-40B4-BE49-F238E27FC236}">
+                <a16:creationId xmlns:a16="http://schemas.microsoft.com/office/drawing/2014/main" id="{973DD6F6-6948-2D56-D3C9-759D342BF646}"/>
+              </a:ext>
+            </a:extLst>
+          </p:cNvPr>
+          <p:cNvSpPr txBox="1"/>
+          <p:nvPr/>
+        </p:nvSpPr>
+        <p:spPr>
+          <a:xfrm>
+            <a:off x="101082" y="4861249"/>
+            <a:ext cx="5044752" cy="1815882"/>
+          </a:xfrm>
+          <a:prstGeom prst="rect">
+            <a:avLst/>
+          </a:prstGeom>
+          <a:noFill/>
+        </p:spPr>
+        <p:txBody>
+          <a:bodyPr wrap="square">
+            <a:spAutoFit/>
+          </a:bodyPr>
+          <a:lstStyle/>
+          <a:p>
+            <a:r>
+              <a:rPr lang="en-US" sz="1400" dirty="0"/>
+              <a:t>In the figure above, lets explore what actually data holds and why these charts are drawn in different ways for a similar dataset : </a:t>
+            </a:r>
+          </a:p>
+          <a:p>
+            <a:r>
+              <a:rPr lang="en-US" sz="1400" dirty="0"/>
+              <a:t>X1 : Dataset have linear relationship between x and y</a:t>
+            </a:r>
+          </a:p>
+          <a:p>
+            <a:r>
+              <a:rPr lang="en-US" sz="1400" dirty="0"/>
+              <a:t>X2 : Dataset do not have linear relationship.</a:t>
+            </a:r>
+          </a:p>
+          <a:p>
+            <a:r>
+              <a:rPr lang="en-US" sz="1400" dirty="0"/>
+              <a:t>X3 : Dataset have linear relation but few points significantly deviates from the pattern including outliers.</a:t>
+            </a:r>
+          </a:p>
+          <a:p>
+            <a:r>
+              <a:rPr lang="en-US" sz="1400" dirty="0"/>
+              <a:t>X4 : Dataset have similar values for x and y but an outlier is present that impact the best fit line.</a:t>
+            </a:r>
+            <a:endParaRPr lang="en-IN" sz="1400" dirty="0"/>
+          </a:p>
+        </p:txBody>
+      </p:sp>
+      <p:sp>
+        <p:nvSpPr>
+          <p:cNvPr id="11" name="TextBox 10">
+            <a:extLst>
+              <a:ext uri="{FF2B5EF4-FFF2-40B4-BE49-F238E27FC236}">
+                <a16:creationId xmlns:a16="http://schemas.microsoft.com/office/drawing/2014/main" id="{474AC2CD-6FC3-AE5B-D24D-3E1D991A5951}"/>
+              </a:ext>
+            </a:extLst>
+          </p:cNvPr>
+          <p:cNvSpPr txBox="1"/>
+          <p:nvPr/>
+        </p:nvSpPr>
+        <p:spPr>
+          <a:xfrm>
+            <a:off x="5091319" y="3987788"/>
+            <a:ext cx="6875881" cy="1169551"/>
+          </a:xfrm>
+          <a:prstGeom prst="rect">
+            <a:avLst/>
+          </a:prstGeom>
+          <a:noFill/>
+        </p:spPr>
+        <p:txBody>
+          <a:bodyPr wrap="square">
+            <a:spAutoFit/>
+          </a:bodyPr>
+          <a:lstStyle/>
+          <a:p>
+            <a:r>
+              <a:rPr lang="en-US" sz="1400" dirty="0"/>
+              <a:t>In Summary Anscombe’s quartet emphasizes to do exploratory data analysis before finalizing the model selection. It also makes us understand how outliers can impact the entire modelling exercise. One need to take special steps to understand such data points and take necessary corrective actions to fix them. I would summarize this with below lines to keep this in my mind always : </a:t>
+            </a:r>
+            <a:endParaRPr lang="en-IN" sz="1400" dirty="0"/>
+          </a:p>
+        </p:txBody>
+      </p:sp>
+      <p:sp>
+        <p:nvSpPr>
+          <p:cNvPr id="13" name="TextBox 12">
+            <a:extLst>
+              <a:ext uri="{FF2B5EF4-FFF2-40B4-BE49-F238E27FC236}">
+                <a16:creationId xmlns:a16="http://schemas.microsoft.com/office/drawing/2014/main" id="{F581EC92-7AEE-D98A-D445-0E0EBF954E69}"/>
+              </a:ext>
+            </a:extLst>
+          </p:cNvPr>
+          <p:cNvSpPr txBox="1"/>
+          <p:nvPr/>
+        </p:nvSpPr>
+        <p:spPr>
+          <a:xfrm>
+            <a:off x="5091319" y="5211489"/>
+            <a:ext cx="6875880" cy="1477328"/>
+          </a:xfrm>
+          <a:prstGeom prst="rect">
+            <a:avLst/>
+          </a:prstGeom>
+          <a:noFill/>
+        </p:spPr>
+        <p:txBody>
+          <a:bodyPr wrap="square">
+            <a:spAutoFit/>
+          </a:bodyPr>
+          <a:lstStyle/>
+          <a:p>
+            <a:r>
+              <a:rPr lang="en-US" sz="1800" dirty="0"/>
+              <a:t>The combination of Statistical Analysis and Visual Analysis is necessary to understand patterns effectively. These two pillars form the foundation of a robust Exploratory Data Analysis (EDA) process. Utilizing them in the appropriate combination is crucial for achieving the desired outcomes.</a:t>
+            </a:r>
           </a:p>
         </p:txBody>
       </p:sp>
